--- a/Slides/Lecture15.pptx
+++ b/Slides/Lecture15.pptx
@@ -764,11 +764,11 @@
   <p:clrMapOvr>
     <a:masterClrMapping/>
   </p:clrMapOvr>
-  <p:transition spd="med"/>
+  <p:transition xmlns:p14="http://schemas.microsoft.com/office/powerpoint/2010/main" spd="med"/>
   <p:timing>
     <p:tnLst>
       <p:par>
-        <p:cTn id="1" dur="indefinite" restart="never" nodeType="tmRoot"/>
+        <p:cTn xmlns:p14="http://schemas.microsoft.com/office/powerpoint/2010/main" id="1" dur="indefinite" restart="never" nodeType="tmRoot"/>
       </p:par>
     </p:tnLst>
   </p:timing>
@@ -973,11 +973,11 @@
   <p:clrMapOvr>
     <a:masterClrMapping/>
   </p:clrMapOvr>
-  <p:transition spd="med"/>
+  <p:transition xmlns:p14="http://schemas.microsoft.com/office/powerpoint/2010/main" spd="med"/>
   <p:timing>
     <p:tnLst>
       <p:par>
-        <p:cTn id="1" dur="indefinite" restart="never" nodeType="tmRoot"/>
+        <p:cTn xmlns:p14="http://schemas.microsoft.com/office/powerpoint/2010/main" id="1" dur="indefinite" restart="never" nodeType="tmRoot"/>
       </p:par>
     </p:tnLst>
   </p:timing>
@@ -1300,11 +1300,11 @@
   <p:clrMapOvr>
     <a:masterClrMapping/>
   </p:clrMapOvr>
-  <p:transition spd="med"/>
+  <p:transition xmlns:p14="http://schemas.microsoft.com/office/powerpoint/2010/main" spd="med"/>
   <p:timing>
     <p:tnLst>
       <p:par>
-        <p:cTn id="1" dur="indefinite" restart="never" nodeType="tmRoot"/>
+        <p:cTn xmlns:p14="http://schemas.microsoft.com/office/powerpoint/2010/main" id="1" dur="indefinite" restart="never" nodeType="tmRoot"/>
       </p:par>
     </p:tnLst>
   </p:timing>
@@ -1465,11 +1465,11 @@
   <p:clrMapOvr>
     <a:masterClrMapping/>
   </p:clrMapOvr>
-  <p:transition spd="med"/>
+  <p:transition xmlns:p14="http://schemas.microsoft.com/office/powerpoint/2010/main" spd="med"/>
   <p:timing>
     <p:tnLst>
       <p:par>
-        <p:cTn id="1" dur="indefinite" restart="never" nodeType="tmRoot"/>
+        <p:cTn xmlns:p14="http://schemas.microsoft.com/office/powerpoint/2010/main" id="1" dur="indefinite" restart="never" nodeType="tmRoot"/>
       </p:par>
     </p:tnLst>
   </p:timing>
@@ -1599,11 +1599,11 @@
   <p:clrMapOvr>
     <a:masterClrMapping/>
   </p:clrMapOvr>
-  <p:transition spd="med"/>
+  <p:transition xmlns:p14="http://schemas.microsoft.com/office/powerpoint/2010/main" spd="med"/>
   <p:timing>
     <p:tnLst>
       <p:par>
-        <p:cTn id="1" dur="indefinite" restart="never" nodeType="tmRoot"/>
+        <p:cTn xmlns:p14="http://schemas.microsoft.com/office/powerpoint/2010/main" id="1" dur="indefinite" restart="never" nodeType="tmRoot"/>
       </p:par>
     </p:tnLst>
   </p:timing>
@@ -1752,7 +1752,7 @@
     <p:sldLayoutId id="2147483655" r:id="rId4"/>
     <p:sldLayoutId id="2147483656" r:id="rId5"/>
   </p:sldLayoutIdLst>
-  <p:transition spd="med"/>
+  <p:transition xmlns:p14="http://schemas.microsoft.com/office/powerpoint/2010/main" spd="med"/>
   <p:txStyles>
     <p:titleStyle>
       <a:lvl1pPr algn="ctr" rtl="0" fontAlgn="base">
@@ -2275,11 +2275,11 @@
   <p:clrMapOvr>
     <a:masterClrMapping/>
   </p:clrMapOvr>
-  <p:transition spd="med"/>
+  <p:transition xmlns:p14="http://schemas.microsoft.com/office/powerpoint/2010/main" spd="med"/>
   <p:timing>
     <p:tnLst>
       <p:par>
-        <p:cTn id="1" dur="indefinite" restart="never" nodeType="tmRoot"/>
+        <p:cTn xmlns:p14="http://schemas.microsoft.com/office/powerpoint/2010/main" id="1" dur="indefinite" restart="never" nodeType="tmRoot"/>
       </p:par>
     </p:tnLst>
   </p:timing>
@@ -2365,14 +2365,14 @@
           </a:ln>
           <a:effectLst/>
           <a:extLst>
-            <a:ext uri="{909E8E84-426E-40DD-AFC4-6F175D3DCCD1}">
+            <a:ext uri="{909E8E84-426E-40dd-AFC4-6F175D3DCCD1}">
               <a14:hiddenFill xmlns:a14="http://schemas.microsoft.com/office/drawing/2010/main">
                 <a:solidFill>
                   <a:schemeClr val="accent1"/>
                 </a:solidFill>
               </a14:hiddenFill>
             </a:ext>
-            <a:ext uri="{91240B29-F687-4F45-9708-019B960494DF}">
+            <a:ext uri="{91240B29-F687-4f45-9708-019B960494DF}">
               <a14:hiddenLine xmlns:a14="http://schemas.microsoft.com/office/drawing/2010/main" w="9525">
                 <a:solidFill>
                   <a:schemeClr val="tx1"/>
@@ -2382,7 +2382,7 @@
                 <a:tailEnd/>
               </a14:hiddenLine>
             </a:ext>
-            <a:ext uri="{AF507438-7753-43E0-B8FC-AC1667EBCBE1}">
+            <a:ext uri="{AF507438-7753-43e0-B8FC-AC1667EBCBE1}">
               <a14:hiddenEffects xmlns:a14="http://schemas.microsoft.com/office/drawing/2010/main">
                 <a:effectLst>
                   <a:outerShdw dist="35921" dir="2700000" algn="ctr" rotWithShape="0">
@@ -2404,11 +2404,11 @@
   <p:clrMapOvr>
     <a:masterClrMapping/>
   </p:clrMapOvr>
-  <p:transition spd="med"/>
+  <p:transition xmlns:p14="http://schemas.microsoft.com/office/powerpoint/2010/main" spd="med"/>
   <p:timing>
     <p:tnLst>
       <p:par>
-        <p:cTn id="1" dur="indefinite" restart="never" nodeType="tmRoot"/>
+        <p:cTn xmlns:p14="http://schemas.microsoft.com/office/powerpoint/2010/main" id="1" dur="indefinite" restart="never" nodeType="tmRoot"/>
       </p:par>
     </p:tnLst>
   </p:timing>
@@ -2513,14 +2513,14 @@
           </a:ln>
           <a:effectLst/>
           <a:extLst>
-            <a:ext uri="{909E8E84-426E-40DD-AFC4-6F175D3DCCD1}">
+            <a:ext uri="{909E8E84-426E-40dd-AFC4-6F175D3DCCD1}">
               <a14:hiddenFill xmlns:a14="http://schemas.microsoft.com/office/drawing/2010/main">
                 <a:solidFill>
                   <a:schemeClr val="accent1"/>
                 </a:solidFill>
               </a14:hiddenFill>
             </a:ext>
-            <a:ext uri="{91240B29-F687-4F45-9708-019B960494DF}">
+            <a:ext uri="{91240B29-F687-4f45-9708-019B960494DF}">
               <a14:hiddenLine xmlns:a14="http://schemas.microsoft.com/office/drawing/2010/main" w="9525">
                 <a:solidFill>
                   <a:schemeClr val="tx1"/>
@@ -2530,7 +2530,7 @@
                 <a:tailEnd/>
               </a14:hiddenLine>
             </a:ext>
-            <a:ext uri="{AF507438-7753-43E0-B8FC-AC1667EBCBE1}">
+            <a:ext uri="{AF507438-7753-43e0-B8FC-AC1667EBCBE1}">
               <a14:hiddenEffects xmlns:a14="http://schemas.microsoft.com/office/drawing/2010/main">
                 <a:effectLst>
                   <a:outerShdw dist="35921" dir="2700000" algn="ctr" rotWithShape="0">
@@ -2552,11 +2552,11 @@
   <p:clrMapOvr>
     <a:masterClrMapping/>
   </p:clrMapOvr>
-  <p:transition spd="med"/>
+  <p:transition xmlns:p14="http://schemas.microsoft.com/office/powerpoint/2010/main" spd="med"/>
   <p:timing>
     <p:tnLst>
       <p:par>
-        <p:cTn id="1" dur="indefinite" restart="never" nodeType="tmRoot"/>
+        <p:cTn xmlns:p14="http://schemas.microsoft.com/office/powerpoint/2010/main" id="1" dur="indefinite" restart="never" nodeType="tmRoot"/>
       </p:par>
     </p:tnLst>
   </p:timing>
@@ -2661,14 +2661,14 @@
           </a:ln>
           <a:effectLst/>
           <a:extLst>
-            <a:ext uri="{909E8E84-426E-40DD-AFC4-6F175D3DCCD1}">
+            <a:ext uri="{909E8E84-426E-40dd-AFC4-6F175D3DCCD1}">
               <a14:hiddenFill xmlns:a14="http://schemas.microsoft.com/office/drawing/2010/main">
                 <a:solidFill>
                   <a:schemeClr val="accent1"/>
                 </a:solidFill>
               </a14:hiddenFill>
             </a:ext>
-            <a:ext uri="{91240B29-F687-4F45-9708-019B960494DF}">
+            <a:ext uri="{91240B29-F687-4f45-9708-019B960494DF}">
               <a14:hiddenLine xmlns:a14="http://schemas.microsoft.com/office/drawing/2010/main" w="9525">
                 <a:solidFill>
                   <a:schemeClr val="tx1"/>
@@ -2678,7 +2678,7 @@
                 <a:tailEnd/>
               </a14:hiddenLine>
             </a:ext>
-            <a:ext uri="{AF507438-7753-43E0-B8FC-AC1667EBCBE1}">
+            <a:ext uri="{AF507438-7753-43e0-B8FC-AC1667EBCBE1}">
               <a14:hiddenEffects xmlns:a14="http://schemas.microsoft.com/office/drawing/2010/main">
                 <a:effectLst>
                   <a:outerShdw dist="35921" dir="2700000" algn="ctr" rotWithShape="0">
@@ -2700,11 +2700,11 @@
   <p:clrMapOvr>
     <a:masterClrMapping/>
   </p:clrMapOvr>
-  <p:transition spd="med"/>
+  <p:transition xmlns:p14="http://schemas.microsoft.com/office/powerpoint/2010/main" spd="med"/>
   <p:timing>
     <p:tnLst>
       <p:par>
-        <p:cTn id="1" dur="indefinite" restart="never" nodeType="tmRoot"/>
+        <p:cTn xmlns:p14="http://schemas.microsoft.com/office/powerpoint/2010/main" id="1" dur="indefinite" restart="never" nodeType="tmRoot"/>
       </p:par>
     </p:tnLst>
   </p:timing>
@@ -2809,14 +2809,14 @@
           </a:ln>
           <a:effectLst/>
           <a:extLst>
-            <a:ext uri="{909E8E84-426E-40DD-AFC4-6F175D3DCCD1}">
+            <a:ext uri="{909E8E84-426E-40dd-AFC4-6F175D3DCCD1}">
               <a14:hiddenFill xmlns:a14="http://schemas.microsoft.com/office/drawing/2010/main">
                 <a:solidFill>
                   <a:schemeClr val="accent1"/>
                 </a:solidFill>
               </a14:hiddenFill>
             </a:ext>
-            <a:ext uri="{91240B29-F687-4F45-9708-019B960494DF}">
+            <a:ext uri="{91240B29-F687-4f45-9708-019B960494DF}">
               <a14:hiddenLine xmlns:a14="http://schemas.microsoft.com/office/drawing/2010/main" w="9525">
                 <a:solidFill>
                   <a:schemeClr val="tx1"/>
@@ -2826,7 +2826,7 @@
                 <a:tailEnd/>
               </a14:hiddenLine>
             </a:ext>
-            <a:ext uri="{AF507438-7753-43E0-B8FC-AC1667EBCBE1}">
+            <a:ext uri="{AF507438-7753-43e0-B8FC-AC1667EBCBE1}">
               <a14:hiddenEffects xmlns:a14="http://schemas.microsoft.com/office/drawing/2010/main">
                 <a:effectLst>
                   <a:outerShdw dist="35921" dir="2700000" algn="ctr" rotWithShape="0">
@@ -2848,11 +2848,11 @@
   <p:clrMapOvr>
     <a:masterClrMapping/>
   </p:clrMapOvr>
-  <p:transition spd="med"/>
+  <p:transition xmlns:p14="http://schemas.microsoft.com/office/powerpoint/2010/main" spd="med"/>
   <p:timing>
     <p:tnLst>
       <p:par>
-        <p:cTn id="1" dur="indefinite" restart="never" nodeType="tmRoot"/>
+        <p:cTn xmlns:p14="http://schemas.microsoft.com/office/powerpoint/2010/main" id="1" dur="indefinite" restart="never" nodeType="tmRoot"/>
       </p:par>
     </p:tnLst>
   </p:timing>
@@ -2953,14 +2953,14 @@
           </a:ln>
           <a:effectLst/>
           <a:extLst>
-            <a:ext uri="{909E8E84-426E-40DD-AFC4-6F175D3DCCD1}">
+            <a:ext uri="{909E8E84-426E-40dd-AFC4-6F175D3DCCD1}">
               <a14:hiddenFill xmlns:a14="http://schemas.microsoft.com/office/drawing/2010/main">
                 <a:solidFill>
                   <a:schemeClr val="accent1"/>
                 </a:solidFill>
               </a14:hiddenFill>
             </a:ext>
-            <a:ext uri="{91240B29-F687-4F45-9708-019B960494DF}">
+            <a:ext uri="{91240B29-F687-4f45-9708-019B960494DF}">
               <a14:hiddenLine xmlns:a14="http://schemas.microsoft.com/office/drawing/2010/main" w="9525">
                 <a:solidFill>
                   <a:schemeClr val="tx1"/>
@@ -2970,7 +2970,7 @@
                 <a:tailEnd/>
               </a14:hiddenLine>
             </a:ext>
-            <a:ext uri="{AF507438-7753-43E0-B8FC-AC1667EBCBE1}">
+            <a:ext uri="{AF507438-7753-43e0-B8FC-AC1667EBCBE1}">
               <a14:hiddenEffects xmlns:a14="http://schemas.microsoft.com/office/drawing/2010/main">
                 <a:effectLst>
                   <a:outerShdw dist="35921" dir="2700000" algn="ctr" rotWithShape="0">
@@ -2992,11 +2992,11 @@
   <p:clrMapOvr>
     <a:masterClrMapping/>
   </p:clrMapOvr>
-  <p:transition spd="med"/>
+  <p:transition xmlns:p14="http://schemas.microsoft.com/office/powerpoint/2010/main" spd="med"/>
   <p:timing>
     <p:tnLst>
       <p:par>
-        <p:cTn id="1" dur="indefinite" restart="never" nodeType="tmRoot"/>
+        <p:cTn xmlns:p14="http://schemas.microsoft.com/office/powerpoint/2010/main" id="1" dur="indefinite" restart="never" nodeType="tmRoot"/>
       </p:par>
     </p:tnLst>
   </p:timing>
@@ -3101,14 +3101,14 @@
           </a:ln>
           <a:effectLst/>
           <a:extLst>
-            <a:ext uri="{909E8E84-426E-40DD-AFC4-6F175D3DCCD1}">
+            <a:ext uri="{909E8E84-426E-40dd-AFC4-6F175D3DCCD1}">
               <a14:hiddenFill xmlns:a14="http://schemas.microsoft.com/office/drawing/2010/main">
                 <a:solidFill>
                   <a:schemeClr val="accent1"/>
                 </a:solidFill>
               </a14:hiddenFill>
             </a:ext>
-            <a:ext uri="{91240B29-F687-4F45-9708-019B960494DF}">
+            <a:ext uri="{91240B29-F687-4f45-9708-019B960494DF}">
               <a14:hiddenLine xmlns:a14="http://schemas.microsoft.com/office/drawing/2010/main" w="9525">
                 <a:solidFill>
                   <a:schemeClr val="tx1"/>
@@ -3118,7 +3118,7 @@
                 <a:tailEnd/>
               </a14:hiddenLine>
             </a:ext>
-            <a:ext uri="{AF507438-7753-43E0-B8FC-AC1667EBCBE1}">
+            <a:ext uri="{AF507438-7753-43e0-B8FC-AC1667EBCBE1}">
               <a14:hiddenEffects xmlns:a14="http://schemas.microsoft.com/office/drawing/2010/main">
                 <a:effectLst>
                   <a:outerShdw dist="35921" dir="2700000" algn="ctr" rotWithShape="0">
@@ -3140,11 +3140,11 @@
   <p:clrMapOvr>
     <a:masterClrMapping/>
   </p:clrMapOvr>
-  <p:transition spd="med"/>
+  <p:transition xmlns:p14="http://schemas.microsoft.com/office/powerpoint/2010/main" spd="med"/>
   <p:timing>
     <p:tnLst>
       <p:par>
-        <p:cTn id="1" dur="indefinite" restart="never" nodeType="tmRoot"/>
+        <p:cTn xmlns:p14="http://schemas.microsoft.com/office/powerpoint/2010/main" id="1" dur="indefinite" restart="never" nodeType="tmRoot"/>
       </p:par>
     </p:tnLst>
   </p:timing>
@@ -3245,14 +3245,14 @@
           </a:ln>
           <a:effectLst/>
           <a:extLst>
-            <a:ext uri="{909E8E84-426E-40DD-AFC4-6F175D3DCCD1}">
+            <a:ext uri="{909E8E84-426E-40dd-AFC4-6F175D3DCCD1}">
               <a14:hiddenFill xmlns:a14="http://schemas.microsoft.com/office/drawing/2010/main">
                 <a:solidFill>
                   <a:schemeClr val="accent1"/>
                 </a:solidFill>
               </a14:hiddenFill>
             </a:ext>
-            <a:ext uri="{91240B29-F687-4F45-9708-019B960494DF}">
+            <a:ext uri="{91240B29-F687-4f45-9708-019B960494DF}">
               <a14:hiddenLine xmlns:a14="http://schemas.microsoft.com/office/drawing/2010/main" w="9525">
                 <a:solidFill>
                   <a:schemeClr val="tx1"/>
@@ -3262,7 +3262,7 @@
                 <a:tailEnd/>
               </a14:hiddenLine>
             </a:ext>
-            <a:ext uri="{AF507438-7753-43E0-B8FC-AC1667EBCBE1}">
+            <a:ext uri="{AF507438-7753-43e0-B8FC-AC1667EBCBE1}">
               <a14:hiddenEffects xmlns:a14="http://schemas.microsoft.com/office/drawing/2010/main">
                 <a:effectLst>
                   <a:outerShdw dist="35921" dir="2700000" algn="ctr" rotWithShape="0">
@@ -3284,11 +3284,11 @@
   <p:clrMapOvr>
     <a:masterClrMapping/>
   </p:clrMapOvr>
-  <p:transition spd="med"/>
+  <p:transition xmlns:p14="http://schemas.microsoft.com/office/powerpoint/2010/main" spd="med"/>
   <p:timing>
     <p:tnLst>
       <p:par>
-        <p:cTn id="1" dur="indefinite" restart="never" nodeType="tmRoot"/>
+        <p:cTn xmlns:p14="http://schemas.microsoft.com/office/powerpoint/2010/main" id="1" dur="indefinite" restart="never" nodeType="tmRoot"/>
       </p:par>
     </p:tnLst>
   </p:timing>
@@ -3447,11 +3447,11 @@
   <p:clrMapOvr>
     <a:masterClrMapping/>
   </p:clrMapOvr>
-  <p:transition spd="med"/>
+  <p:transition xmlns:p14="http://schemas.microsoft.com/office/powerpoint/2010/main" spd="med"/>
   <p:timing>
     <p:tnLst>
       <p:par>
-        <p:cTn id="1" dur="indefinite" restart="never" nodeType="tmRoot"/>
+        <p:cTn xmlns:p14="http://schemas.microsoft.com/office/powerpoint/2010/main" id="1" dur="indefinite" restart="never" nodeType="tmRoot"/>
       </p:par>
     </p:tnLst>
   </p:timing>
@@ -3552,14 +3552,14 @@
           </a:ln>
           <a:effectLst/>
           <a:extLst>
-            <a:ext uri="{909E8E84-426E-40DD-AFC4-6F175D3DCCD1}">
+            <a:ext uri="{909E8E84-426E-40dd-AFC4-6F175D3DCCD1}">
               <a14:hiddenFill xmlns:a14="http://schemas.microsoft.com/office/drawing/2010/main">
                 <a:solidFill>
                   <a:schemeClr val="accent1"/>
                 </a:solidFill>
               </a14:hiddenFill>
             </a:ext>
-            <a:ext uri="{91240B29-F687-4F45-9708-019B960494DF}">
+            <a:ext uri="{91240B29-F687-4f45-9708-019B960494DF}">
               <a14:hiddenLine xmlns:a14="http://schemas.microsoft.com/office/drawing/2010/main" w="9525">
                 <a:solidFill>
                   <a:schemeClr val="tx1"/>
@@ -3569,7 +3569,7 @@
                 <a:tailEnd/>
               </a14:hiddenLine>
             </a:ext>
-            <a:ext uri="{AF507438-7753-43E0-B8FC-AC1667EBCBE1}">
+            <a:ext uri="{AF507438-7753-43e0-B8FC-AC1667EBCBE1}">
               <a14:hiddenEffects xmlns:a14="http://schemas.microsoft.com/office/drawing/2010/main">
                 <a:effectLst>
                   <a:outerShdw dist="35921" dir="2700000" algn="ctr" rotWithShape="0">
@@ -3591,11 +3591,11 @@
   <p:clrMapOvr>
     <a:masterClrMapping/>
   </p:clrMapOvr>
-  <p:transition spd="med"/>
+  <p:transition xmlns:p14="http://schemas.microsoft.com/office/powerpoint/2010/main" spd="med"/>
   <p:timing>
     <p:tnLst>
       <p:par>
-        <p:cTn id="1" dur="indefinite" restart="never" nodeType="tmRoot"/>
+        <p:cTn xmlns:p14="http://schemas.microsoft.com/office/powerpoint/2010/main" id="1" dur="indefinite" restart="never" nodeType="tmRoot"/>
       </p:par>
     </p:tnLst>
   </p:timing>
@@ -3696,14 +3696,14 @@
           </a:ln>
           <a:effectLst/>
           <a:extLst>
-            <a:ext uri="{909E8E84-426E-40DD-AFC4-6F175D3DCCD1}">
+            <a:ext uri="{909E8E84-426E-40dd-AFC4-6F175D3DCCD1}">
               <a14:hiddenFill xmlns:a14="http://schemas.microsoft.com/office/drawing/2010/main">
                 <a:solidFill>
                   <a:schemeClr val="accent1"/>
                 </a:solidFill>
               </a14:hiddenFill>
             </a:ext>
-            <a:ext uri="{91240B29-F687-4F45-9708-019B960494DF}">
+            <a:ext uri="{91240B29-F687-4f45-9708-019B960494DF}">
               <a14:hiddenLine xmlns:a14="http://schemas.microsoft.com/office/drawing/2010/main" w="9525">
                 <a:solidFill>
                   <a:schemeClr val="tx1"/>
@@ -3713,7 +3713,7 @@
                 <a:tailEnd/>
               </a14:hiddenLine>
             </a:ext>
-            <a:ext uri="{AF507438-7753-43E0-B8FC-AC1667EBCBE1}">
+            <a:ext uri="{AF507438-7753-43e0-B8FC-AC1667EBCBE1}">
               <a14:hiddenEffects xmlns:a14="http://schemas.microsoft.com/office/drawing/2010/main">
                 <a:effectLst>
                   <a:outerShdw dist="35921" dir="2700000" algn="ctr" rotWithShape="0">
@@ -3735,11 +3735,11 @@
   <p:clrMapOvr>
     <a:masterClrMapping/>
   </p:clrMapOvr>
-  <p:transition spd="med"/>
+  <p:transition xmlns:p14="http://schemas.microsoft.com/office/powerpoint/2010/main" spd="med"/>
   <p:timing>
     <p:tnLst>
       <p:par>
-        <p:cTn id="1" dur="indefinite" restart="never" nodeType="tmRoot"/>
+        <p:cTn xmlns:p14="http://schemas.microsoft.com/office/powerpoint/2010/main" id="1" dur="indefinite" restart="never" nodeType="tmRoot"/>
       </p:par>
     </p:tnLst>
   </p:timing>
@@ -3821,14 +3821,14 @@
           </a:ln>
           <a:effectLst/>
           <a:extLst>
-            <a:ext uri="{909E8E84-426E-40DD-AFC4-6F175D3DCCD1}">
+            <a:ext uri="{909E8E84-426E-40dd-AFC4-6F175D3DCCD1}">
               <a14:hiddenFill xmlns:a14="http://schemas.microsoft.com/office/drawing/2010/main">
                 <a:solidFill>
                   <a:schemeClr val="accent1"/>
                 </a:solidFill>
               </a14:hiddenFill>
             </a:ext>
-            <a:ext uri="{91240B29-F687-4F45-9708-019B960494DF}">
+            <a:ext uri="{91240B29-F687-4f45-9708-019B960494DF}">
               <a14:hiddenLine xmlns:a14="http://schemas.microsoft.com/office/drawing/2010/main" w="9525">
                 <a:solidFill>
                   <a:schemeClr val="tx1"/>
@@ -3838,7 +3838,7 @@
                 <a:tailEnd/>
               </a14:hiddenLine>
             </a:ext>
-            <a:ext uri="{AF507438-7753-43E0-B8FC-AC1667EBCBE1}">
+            <a:ext uri="{AF507438-7753-43e0-B8FC-AC1667EBCBE1}">
               <a14:hiddenEffects xmlns:a14="http://schemas.microsoft.com/office/drawing/2010/main">
                 <a:effectLst>
                   <a:outerShdw dist="35921" dir="2700000" algn="ctr" rotWithShape="0">
@@ -4622,11 +4622,11 @@
   <p:clrMapOvr>
     <a:masterClrMapping/>
   </p:clrMapOvr>
-  <p:transition spd="med"/>
+  <p:transition xmlns:p14="http://schemas.microsoft.com/office/powerpoint/2010/main" spd="med"/>
   <p:timing>
     <p:tnLst>
       <p:par>
-        <p:cTn id="1" dur="indefinite" restart="never" nodeType="tmRoot">
+        <p:cTn xmlns:p14="http://schemas.microsoft.com/office/powerpoint/2010/main" id="1" dur="indefinite" restart="never" nodeType="tmRoot">
           <p:childTnLst>
             <p:seq concurrent="1" nextAc="seek">
               <p:cTn id="2" dur="indefinite" nodeType="mainSeq">
@@ -5120,14 +5120,14 @@
           </a:ln>
           <a:effectLst/>
           <a:extLst>
-            <a:ext uri="{909E8E84-426E-40DD-AFC4-6F175D3DCCD1}">
+            <a:ext uri="{909E8E84-426E-40dd-AFC4-6F175D3DCCD1}">
               <a14:hiddenFill xmlns:a14="http://schemas.microsoft.com/office/drawing/2010/main">
                 <a:solidFill>
                   <a:schemeClr val="accent1"/>
                 </a:solidFill>
               </a14:hiddenFill>
             </a:ext>
-            <a:ext uri="{91240B29-F687-4F45-9708-019B960494DF}">
+            <a:ext uri="{91240B29-F687-4f45-9708-019B960494DF}">
               <a14:hiddenLine xmlns:a14="http://schemas.microsoft.com/office/drawing/2010/main" w="9525">
                 <a:solidFill>
                   <a:schemeClr val="tx1"/>
@@ -5137,7 +5137,7 @@
                 <a:tailEnd/>
               </a14:hiddenLine>
             </a:ext>
-            <a:ext uri="{AF507438-7753-43E0-B8FC-AC1667EBCBE1}">
+            <a:ext uri="{AF507438-7753-43e0-B8FC-AC1667EBCBE1}">
               <a14:hiddenEffects xmlns:a14="http://schemas.microsoft.com/office/drawing/2010/main">
                 <a:effectLst>
                   <a:outerShdw dist="35921" dir="2700000" algn="ctr" rotWithShape="0">
@@ -5159,11 +5159,11 @@
   <p:clrMapOvr>
     <a:masterClrMapping/>
   </p:clrMapOvr>
-  <p:transition spd="med"/>
+  <p:transition xmlns:p14="http://schemas.microsoft.com/office/powerpoint/2010/main" spd="med"/>
   <p:timing>
     <p:tnLst>
       <p:par>
-        <p:cTn id="1" dur="indefinite" restart="never" nodeType="tmRoot"/>
+        <p:cTn xmlns:p14="http://schemas.microsoft.com/office/powerpoint/2010/main" id="1" dur="indefinite" restart="never" nodeType="tmRoot"/>
       </p:par>
     </p:tnLst>
   </p:timing>
@@ -5245,14 +5245,14 @@
           </a:ln>
           <a:effectLst/>
           <a:extLst>
-            <a:ext uri="{909E8E84-426E-40DD-AFC4-6F175D3DCCD1}">
+            <a:ext uri="{909E8E84-426E-40dd-AFC4-6F175D3DCCD1}">
               <a14:hiddenFill xmlns:a14="http://schemas.microsoft.com/office/drawing/2010/main">
                 <a:solidFill>
                   <a:schemeClr val="accent1"/>
                 </a:solidFill>
               </a14:hiddenFill>
             </a:ext>
-            <a:ext uri="{91240B29-F687-4F45-9708-019B960494DF}">
+            <a:ext uri="{91240B29-F687-4f45-9708-019B960494DF}">
               <a14:hiddenLine xmlns:a14="http://schemas.microsoft.com/office/drawing/2010/main" w="9525">
                 <a:solidFill>
                   <a:schemeClr val="tx1"/>
@@ -5262,7 +5262,7 @@
                 <a:tailEnd/>
               </a14:hiddenLine>
             </a:ext>
-            <a:ext uri="{AF507438-7753-43E0-B8FC-AC1667EBCBE1}">
+            <a:ext uri="{AF507438-7753-43e0-B8FC-AC1667EBCBE1}">
               <a14:hiddenEffects xmlns:a14="http://schemas.microsoft.com/office/drawing/2010/main">
                 <a:effectLst>
                   <a:outerShdw dist="35921" dir="2700000" algn="ctr" rotWithShape="0">
@@ -5284,11 +5284,11 @@
   <p:clrMapOvr>
     <a:masterClrMapping/>
   </p:clrMapOvr>
-  <p:transition spd="med"/>
+  <p:transition xmlns:p14="http://schemas.microsoft.com/office/powerpoint/2010/main" spd="med"/>
   <p:timing>
     <p:tnLst>
       <p:par>
-        <p:cTn id="1" dur="indefinite" restart="never" nodeType="tmRoot"/>
+        <p:cTn xmlns:p14="http://schemas.microsoft.com/office/powerpoint/2010/main" id="1" dur="indefinite" restart="never" nodeType="tmRoot"/>
       </p:par>
     </p:tnLst>
   </p:timing>
@@ -5389,14 +5389,14 @@
           </a:ln>
           <a:effectLst/>
           <a:extLst>
-            <a:ext uri="{909E8E84-426E-40DD-AFC4-6F175D3DCCD1}">
+            <a:ext uri="{909E8E84-426E-40dd-AFC4-6F175D3DCCD1}">
               <a14:hiddenFill xmlns:a14="http://schemas.microsoft.com/office/drawing/2010/main">
                 <a:solidFill>
                   <a:schemeClr val="accent1"/>
                 </a:solidFill>
               </a14:hiddenFill>
             </a:ext>
-            <a:ext uri="{91240B29-F687-4F45-9708-019B960494DF}">
+            <a:ext uri="{91240B29-F687-4f45-9708-019B960494DF}">
               <a14:hiddenLine xmlns:a14="http://schemas.microsoft.com/office/drawing/2010/main" w="9525">
                 <a:solidFill>
                   <a:schemeClr val="tx1"/>
@@ -5406,7 +5406,7 @@
                 <a:tailEnd/>
               </a14:hiddenLine>
             </a:ext>
-            <a:ext uri="{AF507438-7753-43E0-B8FC-AC1667EBCBE1}">
+            <a:ext uri="{AF507438-7753-43e0-B8FC-AC1667EBCBE1}">
               <a14:hiddenEffects xmlns:a14="http://schemas.microsoft.com/office/drawing/2010/main">
                 <a:effectLst>
                   <a:outerShdw dist="35921" dir="2700000" algn="ctr" rotWithShape="0">
@@ -5428,11 +5428,11 @@
   <p:clrMapOvr>
     <a:masterClrMapping/>
   </p:clrMapOvr>
-  <p:transition spd="med"/>
+  <p:transition xmlns:p14="http://schemas.microsoft.com/office/powerpoint/2010/main" spd="med"/>
   <p:timing>
     <p:tnLst>
       <p:par>
-        <p:cTn id="1" dur="indefinite" restart="never" nodeType="tmRoot"/>
+        <p:cTn xmlns:p14="http://schemas.microsoft.com/office/powerpoint/2010/main" id="1" dur="indefinite" restart="never" nodeType="tmRoot"/>
       </p:par>
     </p:tnLst>
   </p:timing>
@@ -5546,14 +5546,14 @@
           </a:ln>
           <a:effectLst/>
           <a:extLst>
-            <a:ext uri="{909E8E84-426E-40DD-AFC4-6F175D3DCCD1}">
+            <a:ext uri="{909E8E84-426E-40dd-AFC4-6F175D3DCCD1}">
               <a14:hiddenFill xmlns:a14="http://schemas.microsoft.com/office/drawing/2010/main">
                 <a:solidFill>
                   <a:schemeClr val="accent1"/>
                 </a:solidFill>
               </a14:hiddenFill>
             </a:ext>
-            <a:ext uri="{91240B29-F687-4F45-9708-019B960494DF}">
+            <a:ext uri="{91240B29-F687-4f45-9708-019B960494DF}">
               <a14:hiddenLine xmlns:a14="http://schemas.microsoft.com/office/drawing/2010/main" w="9525">
                 <a:solidFill>
                   <a:schemeClr val="tx1"/>
@@ -5563,7 +5563,7 @@
                 <a:tailEnd/>
               </a14:hiddenLine>
             </a:ext>
-            <a:ext uri="{AF507438-7753-43E0-B8FC-AC1667EBCBE1}">
+            <a:ext uri="{AF507438-7753-43e0-B8FC-AC1667EBCBE1}">
               <a14:hiddenEffects xmlns:a14="http://schemas.microsoft.com/office/drawing/2010/main">
                 <a:effectLst>
                   <a:outerShdw dist="35921" dir="2700000" algn="ctr" rotWithShape="0">
@@ -5585,11 +5585,11 @@
   <p:clrMapOvr>
     <a:masterClrMapping/>
   </p:clrMapOvr>
-  <p:transition spd="med"/>
+  <p:transition xmlns:p14="http://schemas.microsoft.com/office/powerpoint/2010/main" spd="med"/>
   <p:timing>
     <p:tnLst>
       <p:par>
-        <p:cTn id="1" dur="indefinite" restart="never" nodeType="tmRoot"/>
+        <p:cTn xmlns:p14="http://schemas.microsoft.com/office/powerpoint/2010/main" id="1" dur="indefinite" restart="never" nodeType="tmRoot"/>
       </p:par>
     </p:tnLst>
   </p:timing>
@@ -5671,14 +5671,14 @@
           </a:ln>
           <a:effectLst/>
           <a:extLst>
-            <a:ext uri="{909E8E84-426E-40DD-AFC4-6F175D3DCCD1}">
+            <a:ext uri="{909E8E84-426E-40dd-AFC4-6F175D3DCCD1}">
               <a14:hiddenFill xmlns:a14="http://schemas.microsoft.com/office/drawing/2010/main">
                 <a:solidFill>
                   <a:schemeClr val="accent1"/>
                 </a:solidFill>
               </a14:hiddenFill>
             </a:ext>
-            <a:ext uri="{91240B29-F687-4F45-9708-019B960494DF}">
+            <a:ext uri="{91240B29-F687-4f45-9708-019B960494DF}">
               <a14:hiddenLine xmlns:a14="http://schemas.microsoft.com/office/drawing/2010/main" w="9525">
                 <a:solidFill>
                   <a:schemeClr val="tx1"/>
@@ -5688,7 +5688,7 @@
                 <a:tailEnd/>
               </a14:hiddenLine>
             </a:ext>
-            <a:ext uri="{AF507438-7753-43E0-B8FC-AC1667EBCBE1}">
+            <a:ext uri="{AF507438-7753-43e0-B8FC-AC1667EBCBE1}">
               <a14:hiddenEffects xmlns:a14="http://schemas.microsoft.com/office/drawing/2010/main">
                 <a:effectLst>
                   <a:outerShdw dist="35921" dir="2700000" algn="ctr" rotWithShape="0">
@@ -5710,11 +5710,11 @@
   <p:clrMapOvr>
     <a:masterClrMapping/>
   </p:clrMapOvr>
-  <p:transition spd="med"/>
+  <p:transition xmlns:p14="http://schemas.microsoft.com/office/powerpoint/2010/main" spd="med"/>
   <p:timing>
     <p:tnLst>
       <p:par>
-        <p:cTn id="1" dur="indefinite" restart="never" nodeType="tmRoot"/>
+        <p:cTn xmlns:p14="http://schemas.microsoft.com/office/powerpoint/2010/main" id="1" dur="indefinite" restart="never" nodeType="tmRoot"/>
       </p:par>
     </p:tnLst>
   </p:timing>
@@ -5796,14 +5796,14 @@
           </a:ln>
           <a:effectLst/>
           <a:extLst>
-            <a:ext uri="{909E8E84-426E-40DD-AFC4-6F175D3DCCD1}">
+            <a:ext uri="{909E8E84-426E-40dd-AFC4-6F175D3DCCD1}">
               <a14:hiddenFill xmlns:a14="http://schemas.microsoft.com/office/drawing/2010/main">
                 <a:solidFill>
                   <a:schemeClr val="accent1"/>
                 </a:solidFill>
               </a14:hiddenFill>
             </a:ext>
-            <a:ext uri="{91240B29-F687-4F45-9708-019B960494DF}">
+            <a:ext uri="{91240B29-F687-4f45-9708-019B960494DF}">
               <a14:hiddenLine xmlns:a14="http://schemas.microsoft.com/office/drawing/2010/main" w="9525">
                 <a:solidFill>
                   <a:schemeClr val="tx1"/>
@@ -5813,7 +5813,7 @@
                 <a:tailEnd/>
               </a14:hiddenLine>
             </a:ext>
-            <a:ext uri="{AF507438-7753-43E0-B8FC-AC1667EBCBE1}">
+            <a:ext uri="{AF507438-7753-43e0-B8FC-AC1667EBCBE1}">
               <a14:hiddenEffects xmlns:a14="http://schemas.microsoft.com/office/drawing/2010/main">
                 <a:effectLst>
                   <a:outerShdw dist="35921" dir="2700000" algn="ctr" rotWithShape="0">
@@ -5835,11 +5835,11 @@
   <p:clrMapOvr>
     <a:masterClrMapping/>
   </p:clrMapOvr>
-  <p:transition spd="med"/>
+  <p:transition xmlns:p14="http://schemas.microsoft.com/office/powerpoint/2010/main" spd="med"/>
   <p:timing>
     <p:tnLst>
       <p:par>
-        <p:cTn id="1" dur="indefinite" restart="never" nodeType="tmRoot"/>
+        <p:cTn xmlns:p14="http://schemas.microsoft.com/office/powerpoint/2010/main" id="1" dur="indefinite" restart="never" nodeType="tmRoot"/>
       </p:par>
     </p:tnLst>
   </p:timing>
@@ -5940,14 +5940,14 @@
           </a:ln>
           <a:effectLst/>
           <a:extLst>
-            <a:ext uri="{909E8E84-426E-40DD-AFC4-6F175D3DCCD1}">
+            <a:ext uri="{909E8E84-426E-40dd-AFC4-6F175D3DCCD1}">
               <a14:hiddenFill xmlns:a14="http://schemas.microsoft.com/office/drawing/2010/main">
                 <a:solidFill>
                   <a:schemeClr val="accent1"/>
                 </a:solidFill>
               </a14:hiddenFill>
             </a:ext>
-            <a:ext uri="{91240B29-F687-4F45-9708-019B960494DF}">
+            <a:ext uri="{91240B29-F687-4f45-9708-019B960494DF}">
               <a14:hiddenLine xmlns:a14="http://schemas.microsoft.com/office/drawing/2010/main" w="9525">
                 <a:solidFill>
                   <a:schemeClr val="tx1"/>
@@ -5957,7 +5957,7 @@
                 <a:tailEnd/>
               </a14:hiddenLine>
             </a:ext>
-            <a:ext uri="{AF507438-7753-43E0-B8FC-AC1667EBCBE1}">
+            <a:ext uri="{AF507438-7753-43e0-B8FC-AC1667EBCBE1}">
               <a14:hiddenEffects xmlns:a14="http://schemas.microsoft.com/office/drawing/2010/main">
                 <a:effectLst>
                   <a:outerShdw dist="35921" dir="2700000" algn="ctr" rotWithShape="0">
@@ -5979,11 +5979,11 @@
   <p:clrMapOvr>
     <a:masterClrMapping/>
   </p:clrMapOvr>
-  <p:transition spd="med"/>
+  <p:transition xmlns:p14="http://schemas.microsoft.com/office/powerpoint/2010/main" spd="med"/>
   <p:timing>
     <p:tnLst>
       <p:par>
-        <p:cTn id="1" dur="indefinite" restart="never" nodeType="tmRoot"/>
+        <p:cTn xmlns:p14="http://schemas.microsoft.com/office/powerpoint/2010/main" id="1" dur="indefinite" restart="never" nodeType="tmRoot"/>
       </p:par>
     </p:tnLst>
   </p:timing>
@@ -6065,14 +6065,14 @@
           </a:ln>
           <a:effectLst/>
           <a:extLst>
-            <a:ext uri="{909E8E84-426E-40DD-AFC4-6F175D3DCCD1}">
+            <a:ext uri="{909E8E84-426E-40dd-AFC4-6F175D3DCCD1}">
               <a14:hiddenFill xmlns:a14="http://schemas.microsoft.com/office/drawing/2010/main">
                 <a:solidFill>
                   <a:schemeClr val="accent1"/>
                 </a:solidFill>
               </a14:hiddenFill>
             </a:ext>
-            <a:ext uri="{91240B29-F687-4F45-9708-019B960494DF}">
+            <a:ext uri="{91240B29-F687-4f45-9708-019B960494DF}">
               <a14:hiddenLine xmlns:a14="http://schemas.microsoft.com/office/drawing/2010/main" w="9525">
                 <a:solidFill>
                   <a:schemeClr val="tx1"/>
@@ -6082,7 +6082,7 @@
                 <a:tailEnd/>
               </a14:hiddenLine>
             </a:ext>
-            <a:ext uri="{AF507438-7753-43E0-B8FC-AC1667EBCBE1}">
+            <a:ext uri="{AF507438-7753-43e0-B8FC-AC1667EBCBE1}">
               <a14:hiddenEffects xmlns:a14="http://schemas.microsoft.com/office/drawing/2010/main">
                 <a:effectLst>
                   <a:outerShdw dist="35921" dir="2700000" algn="ctr" rotWithShape="0">
@@ -6104,11 +6104,11 @@
   <p:clrMapOvr>
     <a:masterClrMapping/>
   </p:clrMapOvr>
-  <p:transition spd="med"/>
+  <p:transition xmlns:p14="http://schemas.microsoft.com/office/powerpoint/2010/main" spd="med"/>
   <p:timing>
     <p:tnLst>
       <p:par>
-        <p:cTn id="1" dur="indefinite" restart="never" nodeType="tmRoot"/>
+        <p:cTn xmlns:p14="http://schemas.microsoft.com/office/powerpoint/2010/main" id="1" dur="indefinite" restart="never" nodeType="tmRoot"/>
       </p:par>
     </p:tnLst>
   </p:timing>
@@ -6209,14 +6209,14 @@
           </a:ln>
           <a:effectLst/>
           <a:extLst>
-            <a:ext uri="{909E8E84-426E-40DD-AFC4-6F175D3DCCD1}">
+            <a:ext uri="{909E8E84-426E-40dd-AFC4-6F175D3DCCD1}">
               <a14:hiddenFill xmlns:a14="http://schemas.microsoft.com/office/drawing/2010/main">
                 <a:solidFill>
                   <a:schemeClr val="accent1"/>
                 </a:solidFill>
               </a14:hiddenFill>
             </a:ext>
-            <a:ext uri="{91240B29-F687-4F45-9708-019B960494DF}">
+            <a:ext uri="{91240B29-F687-4f45-9708-019B960494DF}">
               <a14:hiddenLine xmlns:a14="http://schemas.microsoft.com/office/drawing/2010/main" w="9525">
                 <a:solidFill>
                   <a:schemeClr val="tx1"/>
@@ -6226,7 +6226,7 @@
                 <a:tailEnd/>
               </a14:hiddenLine>
             </a:ext>
-            <a:ext uri="{AF507438-7753-43E0-B8FC-AC1667EBCBE1}">
+            <a:ext uri="{AF507438-7753-43e0-B8FC-AC1667EBCBE1}">
               <a14:hiddenEffects xmlns:a14="http://schemas.microsoft.com/office/drawing/2010/main">
                 <a:effectLst>
                   <a:outerShdw dist="35921" dir="2700000" algn="ctr" rotWithShape="0">
@@ -6248,11 +6248,11 @@
   <p:clrMapOvr>
     <a:masterClrMapping/>
   </p:clrMapOvr>
-  <p:transition spd="med"/>
+  <p:transition xmlns:p14="http://schemas.microsoft.com/office/powerpoint/2010/main" spd="med"/>
   <p:timing>
     <p:tnLst>
       <p:par>
-        <p:cTn id="1" dur="indefinite" restart="never" nodeType="tmRoot"/>
+        <p:cTn xmlns:p14="http://schemas.microsoft.com/office/powerpoint/2010/main" id="1" dur="indefinite" restart="never" nodeType="tmRoot"/>
       </p:par>
     </p:tnLst>
   </p:timing>
@@ -6353,14 +6353,14 @@
           </a:ln>
           <a:effectLst/>
           <a:extLst>
-            <a:ext uri="{909E8E84-426E-40DD-AFC4-6F175D3DCCD1}">
+            <a:ext uri="{909E8E84-426E-40dd-AFC4-6F175D3DCCD1}">
               <a14:hiddenFill xmlns:a14="http://schemas.microsoft.com/office/drawing/2010/main">
                 <a:solidFill>
                   <a:schemeClr val="accent1"/>
                 </a:solidFill>
               </a14:hiddenFill>
             </a:ext>
-            <a:ext uri="{91240B29-F687-4F45-9708-019B960494DF}">
+            <a:ext uri="{91240B29-F687-4f45-9708-019B960494DF}">
               <a14:hiddenLine xmlns:a14="http://schemas.microsoft.com/office/drawing/2010/main" w="9525">
                 <a:solidFill>
                   <a:schemeClr val="tx1"/>
@@ -6370,7 +6370,7 @@
                 <a:tailEnd/>
               </a14:hiddenLine>
             </a:ext>
-            <a:ext uri="{AF507438-7753-43E0-B8FC-AC1667EBCBE1}">
+            <a:ext uri="{AF507438-7753-43e0-B8FC-AC1667EBCBE1}">
               <a14:hiddenEffects xmlns:a14="http://schemas.microsoft.com/office/drawing/2010/main">
                 <a:effectLst>
                   <a:outerShdw dist="35921" dir="2700000" algn="ctr" rotWithShape="0">
@@ -6392,11 +6392,11 @@
   <p:clrMapOvr>
     <a:masterClrMapping/>
   </p:clrMapOvr>
-  <p:transition spd="med"/>
+  <p:transition xmlns:p14="http://schemas.microsoft.com/office/powerpoint/2010/main" spd="med"/>
   <p:timing>
     <p:tnLst>
       <p:par>
-        <p:cTn id="1" dur="indefinite" restart="never" nodeType="tmRoot"/>
+        <p:cTn xmlns:p14="http://schemas.microsoft.com/office/powerpoint/2010/main" id="1" dur="indefinite" restart="never" nodeType="tmRoot"/>
       </p:par>
     </p:tnLst>
   </p:timing>
@@ -6478,14 +6478,14 @@
           </a:ln>
           <a:effectLst/>
           <a:extLst>
-            <a:ext uri="{909E8E84-426E-40DD-AFC4-6F175D3DCCD1}">
+            <a:ext uri="{909E8E84-426E-40dd-AFC4-6F175D3DCCD1}">
               <a14:hiddenFill xmlns:a14="http://schemas.microsoft.com/office/drawing/2010/main">
                 <a:solidFill>
                   <a:schemeClr val="accent1"/>
                 </a:solidFill>
               </a14:hiddenFill>
             </a:ext>
-            <a:ext uri="{91240B29-F687-4F45-9708-019B960494DF}">
+            <a:ext uri="{91240B29-F687-4f45-9708-019B960494DF}">
               <a14:hiddenLine xmlns:a14="http://schemas.microsoft.com/office/drawing/2010/main" w="9525">
                 <a:solidFill>
                   <a:schemeClr val="tx1"/>
@@ -6495,7 +6495,7 @@
                 <a:tailEnd/>
               </a14:hiddenLine>
             </a:ext>
-            <a:ext uri="{AF507438-7753-43E0-B8FC-AC1667EBCBE1}">
+            <a:ext uri="{AF507438-7753-43e0-B8FC-AC1667EBCBE1}">
               <a14:hiddenEffects xmlns:a14="http://schemas.microsoft.com/office/drawing/2010/main">
                 <a:effectLst>
                   <a:outerShdw dist="35921" dir="2700000" algn="ctr" rotWithShape="0">
@@ -6517,11 +6517,11 @@
   <p:clrMapOvr>
     <a:masterClrMapping/>
   </p:clrMapOvr>
-  <p:transition spd="med"/>
+  <p:transition xmlns:p14="http://schemas.microsoft.com/office/powerpoint/2010/main" spd="med"/>
   <p:timing>
     <p:tnLst>
       <p:par>
-        <p:cTn id="1" dur="indefinite" restart="never" nodeType="tmRoot"/>
+        <p:cTn xmlns:p14="http://schemas.microsoft.com/office/powerpoint/2010/main" id="1" dur="indefinite" restart="never" nodeType="tmRoot"/>
       </p:par>
     </p:tnLst>
   </p:timing>
@@ -6632,14 +6632,14 @@
           </a:ln>
           <a:effectLst/>
           <a:extLst>
-            <a:ext uri="{909E8E84-426E-40DD-AFC4-6F175D3DCCD1}">
+            <a:ext uri="{909E8E84-426E-40dd-AFC4-6F175D3DCCD1}">
               <a14:hiddenFill xmlns:a14="http://schemas.microsoft.com/office/drawing/2010/main">
                 <a:solidFill>
                   <a:schemeClr val="accent1"/>
                 </a:solidFill>
               </a14:hiddenFill>
             </a:ext>
-            <a:ext uri="{91240B29-F687-4F45-9708-019B960494DF}">
+            <a:ext uri="{91240B29-F687-4f45-9708-019B960494DF}">
               <a14:hiddenLine xmlns:a14="http://schemas.microsoft.com/office/drawing/2010/main" w="9525">
                 <a:solidFill>
                   <a:schemeClr val="tx1"/>
@@ -6649,7 +6649,7 @@
                 <a:tailEnd/>
               </a14:hiddenLine>
             </a:ext>
-            <a:ext uri="{AF507438-7753-43E0-B8FC-AC1667EBCBE1}">
+            <a:ext uri="{AF507438-7753-43e0-B8FC-AC1667EBCBE1}">
               <a14:hiddenEffects xmlns:a14="http://schemas.microsoft.com/office/drawing/2010/main">
                 <a:effectLst>
                   <a:outerShdw dist="35921" dir="2700000" algn="ctr" rotWithShape="0">
@@ -6671,11 +6671,11 @@
   <p:clrMapOvr>
     <a:masterClrMapping/>
   </p:clrMapOvr>
-  <p:transition spd="med"/>
+  <p:transition xmlns:p14="http://schemas.microsoft.com/office/powerpoint/2010/main" spd="med"/>
   <p:timing>
     <p:tnLst>
       <p:par>
-        <p:cTn id="1" dur="indefinite" restart="never" nodeType="tmRoot"/>
+        <p:cTn xmlns:p14="http://schemas.microsoft.com/office/powerpoint/2010/main" id="1" dur="indefinite" restart="never" nodeType="tmRoot"/>
       </p:par>
     </p:tnLst>
   </p:timing>
@@ -6776,14 +6776,14 @@
           </a:ln>
           <a:effectLst/>
           <a:extLst>
-            <a:ext uri="{909E8E84-426E-40DD-AFC4-6F175D3DCCD1}">
+            <a:ext uri="{909E8E84-426E-40dd-AFC4-6F175D3DCCD1}">
               <a14:hiddenFill xmlns:a14="http://schemas.microsoft.com/office/drawing/2010/main">
                 <a:solidFill>
                   <a:schemeClr val="accent1"/>
                 </a:solidFill>
               </a14:hiddenFill>
             </a:ext>
-            <a:ext uri="{91240B29-F687-4F45-9708-019B960494DF}">
+            <a:ext uri="{91240B29-F687-4f45-9708-019B960494DF}">
               <a14:hiddenLine xmlns:a14="http://schemas.microsoft.com/office/drawing/2010/main" w="9525">
                 <a:solidFill>
                   <a:schemeClr val="tx1"/>
@@ -6793,7 +6793,7 @@
                 <a:tailEnd/>
               </a14:hiddenLine>
             </a:ext>
-            <a:ext uri="{AF507438-7753-43E0-B8FC-AC1667EBCBE1}">
+            <a:ext uri="{AF507438-7753-43e0-B8FC-AC1667EBCBE1}">
               <a14:hiddenEffects xmlns:a14="http://schemas.microsoft.com/office/drawing/2010/main">
                 <a:effectLst>
                   <a:outerShdw dist="35921" dir="2700000" algn="ctr" rotWithShape="0">
@@ -6815,11 +6815,11 @@
   <p:clrMapOvr>
     <a:masterClrMapping/>
   </p:clrMapOvr>
-  <p:transition spd="med"/>
+  <p:transition xmlns:p14="http://schemas.microsoft.com/office/powerpoint/2010/main" spd="med"/>
   <p:timing>
     <p:tnLst>
       <p:par>
-        <p:cTn id="1" dur="indefinite" restart="never" nodeType="tmRoot"/>
+        <p:cTn xmlns:p14="http://schemas.microsoft.com/office/powerpoint/2010/main" id="1" dur="indefinite" restart="never" nodeType="tmRoot"/>
       </p:par>
     </p:tnLst>
   </p:timing>
@@ -6920,14 +6920,14 @@
           </a:ln>
           <a:effectLst/>
           <a:extLst>
-            <a:ext uri="{909E8E84-426E-40DD-AFC4-6F175D3DCCD1}">
+            <a:ext uri="{909E8E84-426E-40dd-AFC4-6F175D3DCCD1}">
               <a14:hiddenFill xmlns:a14="http://schemas.microsoft.com/office/drawing/2010/main">
                 <a:solidFill>
                   <a:schemeClr val="accent1"/>
                 </a:solidFill>
               </a14:hiddenFill>
             </a:ext>
-            <a:ext uri="{91240B29-F687-4F45-9708-019B960494DF}">
+            <a:ext uri="{91240B29-F687-4f45-9708-019B960494DF}">
               <a14:hiddenLine xmlns:a14="http://schemas.microsoft.com/office/drawing/2010/main" w="9525">
                 <a:solidFill>
                   <a:schemeClr val="tx1"/>
@@ -6937,7 +6937,7 @@
                 <a:tailEnd/>
               </a14:hiddenLine>
             </a:ext>
-            <a:ext uri="{AF507438-7753-43E0-B8FC-AC1667EBCBE1}">
+            <a:ext uri="{AF507438-7753-43e0-B8FC-AC1667EBCBE1}">
               <a14:hiddenEffects xmlns:a14="http://schemas.microsoft.com/office/drawing/2010/main">
                 <a:effectLst>
                   <a:outerShdw dist="35921" dir="2700000" algn="ctr" rotWithShape="0">
@@ -6959,11 +6959,11 @@
   <p:clrMapOvr>
     <a:masterClrMapping/>
   </p:clrMapOvr>
-  <p:transition spd="med"/>
+  <p:transition xmlns:p14="http://schemas.microsoft.com/office/powerpoint/2010/main" spd="med"/>
   <p:timing>
     <p:tnLst>
       <p:par>
-        <p:cTn id="1" dur="indefinite" restart="never" nodeType="tmRoot"/>
+        <p:cTn xmlns:p14="http://schemas.microsoft.com/office/powerpoint/2010/main" id="1" dur="indefinite" restart="never" nodeType="tmRoot"/>
       </p:par>
     </p:tnLst>
   </p:timing>
@@ -7068,14 +7068,14 @@
           </a:ln>
           <a:effectLst/>
           <a:extLst>
-            <a:ext uri="{909E8E84-426E-40DD-AFC4-6F175D3DCCD1}">
+            <a:ext uri="{909E8E84-426E-40dd-AFC4-6F175D3DCCD1}">
               <a14:hiddenFill xmlns:a14="http://schemas.microsoft.com/office/drawing/2010/main">
                 <a:solidFill>
                   <a:schemeClr val="accent1"/>
                 </a:solidFill>
               </a14:hiddenFill>
             </a:ext>
-            <a:ext uri="{91240B29-F687-4F45-9708-019B960494DF}">
+            <a:ext uri="{91240B29-F687-4f45-9708-019B960494DF}">
               <a14:hiddenLine xmlns:a14="http://schemas.microsoft.com/office/drawing/2010/main" w="9525">
                 <a:solidFill>
                   <a:schemeClr val="tx1"/>
@@ -7085,7 +7085,7 @@
                 <a:tailEnd/>
               </a14:hiddenLine>
             </a:ext>
-            <a:ext uri="{AF507438-7753-43E0-B8FC-AC1667EBCBE1}">
+            <a:ext uri="{AF507438-7753-43e0-B8FC-AC1667EBCBE1}">
               <a14:hiddenEffects xmlns:a14="http://schemas.microsoft.com/office/drawing/2010/main">
                 <a:effectLst>
                   <a:outerShdw dist="35921" dir="2700000" algn="ctr" rotWithShape="0">
@@ -7107,11 +7107,11 @@
   <p:clrMapOvr>
     <a:masterClrMapping/>
   </p:clrMapOvr>
-  <p:transition spd="med"/>
+  <p:transition xmlns:p14="http://schemas.microsoft.com/office/powerpoint/2010/main" spd="med"/>
   <p:timing>
     <p:tnLst>
       <p:par>
-        <p:cTn id="1" dur="indefinite" restart="never" nodeType="tmRoot"/>
+        <p:cTn xmlns:p14="http://schemas.microsoft.com/office/powerpoint/2010/main" id="1" dur="indefinite" restart="never" nodeType="tmRoot"/>
       </p:par>
     </p:tnLst>
   </p:timing>
@@ -7216,14 +7216,14 @@
           </a:ln>
           <a:effectLst/>
           <a:extLst>
-            <a:ext uri="{909E8E84-426E-40DD-AFC4-6F175D3DCCD1}">
+            <a:ext uri="{909E8E84-426E-40dd-AFC4-6F175D3DCCD1}">
               <a14:hiddenFill xmlns:a14="http://schemas.microsoft.com/office/drawing/2010/main">
                 <a:solidFill>
                   <a:schemeClr val="accent1"/>
                 </a:solidFill>
               </a14:hiddenFill>
             </a:ext>
-            <a:ext uri="{91240B29-F687-4F45-9708-019B960494DF}">
+            <a:ext uri="{91240B29-F687-4f45-9708-019B960494DF}">
               <a14:hiddenLine xmlns:a14="http://schemas.microsoft.com/office/drawing/2010/main" w="9525">
                 <a:solidFill>
                   <a:schemeClr val="tx1"/>
@@ -7233,7 +7233,7 @@
                 <a:tailEnd/>
               </a14:hiddenLine>
             </a:ext>
-            <a:ext uri="{AF507438-7753-43E0-B8FC-AC1667EBCBE1}">
+            <a:ext uri="{AF507438-7753-43e0-B8FC-AC1667EBCBE1}">
               <a14:hiddenEffects xmlns:a14="http://schemas.microsoft.com/office/drawing/2010/main">
                 <a:effectLst>
                   <a:outerShdw dist="35921" dir="2700000" algn="ctr" rotWithShape="0">
@@ -7255,11 +7255,11 @@
   <p:clrMapOvr>
     <a:masterClrMapping/>
   </p:clrMapOvr>
-  <p:transition spd="med"/>
+  <p:transition xmlns:p14="http://schemas.microsoft.com/office/powerpoint/2010/main" spd="med"/>
   <p:timing>
     <p:tnLst>
       <p:par>
-        <p:cTn id="1" dur="indefinite" restart="never" nodeType="tmRoot"/>
+        <p:cTn xmlns:p14="http://schemas.microsoft.com/office/powerpoint/2010/main" id="1" dur="indefinite" restart="never" nodeType="tmRoot"/>
       </p:par>
     </p:tnLst>
   </p:timing>
@@ -7341,14 +7341,14 @@
           </a:ln>
           <a:effectLst/>
           <a:extLst>
-            <a:ext uri="{909E8E84-426E-40DD-AFC4-6F175D3DCCD1}">
+            <a:ext uri="{909E8E84-426E-40dd-AFC4-6F175D3DCCD1}">
               <a14:hiddenFill xmlns:a14="http://schemas.microsoft.com/office/drawing/2010/main">
                 <a:solidFill>
                   <a:schemeClr val="accent1"/>
                 </a:solidFill>
               </a14:hiddenFill>
             </a:ext>
-            <a:ext uri="{91240B29-F687-4F45-9708-019B960494DF}">
+            <a:ext uri="{91240B29-F687-4f45-9708-019B960494DF}">
               <a14:hiddenLine xmlns:a14="http://schemas.microsoft.com/office/drawing/2010/main" w="9525">
                 <a:solidFill>
                   <a:schemeClr val="tx1"/>
@@ -7358,7 +7358,7 @@
                 <a:tailEnd/>
               </a14:hiddenLine>
             </a:ext>
-            <a:ext uri="{AF507438-7753-43E0-B8FC-AC1667EBCBE1}">
+            <a:ext uri="{AF507438-7753-43e0-B8FC-AC1667EBCBE1}">
               <a14:hiddenEffects xmlns:a14="http://schemas.microsoft.com/office/drawing/2010/main">
                 <a:effectLst>
                   <a:outerShdw dist="35921" dir="2700000" algn="ctr" rotWithShape="0">
@@ -7380,11 +7380,11 @@
   <p:clrMapOvr>
     <a:masterClrMapping/>
   </p:clrMapOvr>
-  <p:transition spd="med"/>
+  <p:transition xmlns:p14="http://schemas.microsoft.com/office/powerpoint/2010/main" spd="med"/>
   <p:timing>
     <p:tnLst>
       <p:par>
-        <p:cTn id="1" dur="indefinite" restart="never" nodeType="tmRoot"/>
+        <p:cTn xmlns:p14="http://schemas.microsoft.com/office/powerpoint/2010/main" id="1" dur="indefinite" restart="never" nodeType="tmRoot"/>
       </p:par>
     </p:tnLst>
   </p:timing>
@@ -7501,14 +7501,14 @@
           </a:ln>
           <a:effectLst/>
           <a:extLst>
-            <a:ext uri="{909E8E84-426E-40DD-AFC4-6F175D3DCCD1}">
+            <a:ext uri="{909E8E84-426E-40dd-AFC4-6F175D3DCCD1}">
               <a14:hiddenFill xmlns:a14="http://schemas.microsoft.com/office/drawing/2010/main">
                 <a:solidFill>
                   <a:schemeClr val="accent1"/>
                 </a:solidFill>
               </a14:hiddenFill>
             </a:ext>
-            <a:ext uri="{91240B29-F687-4F45-9708-019B960494DF}">
+            <a:ext uri="{91240B29-F687-4f45-9708-019B960494DF}">
               <a14:hiddenLine xmlns:a14="http://schemas.microsoft.com/office/drawing/2010/main" w="9525">
                 <a:solidFill>
                   <a:schemeClr val="tx1"/>
@@ -7518,7 +7518,7 @@
                 <a:tailEnd/>
               </a14:hiddenLine>
             </a:ext>
-            <a:ext uri="{AF507438-7753-43E0-B8FC-AC1667EBCBE1}">
+            <a:ext uri="{AF507438-7753-43e0-B8FC-AC1667EBCBE1}">
               <a14:hiddenEffects xmlns:a14="http://schemas.microsoft.com/office/drawing/2010/main">
                 <a:effectLst>
                   <a:outerShdw dist="35921" dir="2700000" algn="ctr" rotWithShape="0">
@@ -7540,11 +7540,11 @@
   <p:clrMapOvr>
     <a:masterClrMapping/>
   </p:clrMapOvr>
-  <p:transition spd="med"/>
+  <p:transition xmlns:p14="http://schemas.microsoft.com/office/powerpoint/2010/main" spd="med"/>
   <p:timing>
     <p:tnLst>
       <p:par>
-        <p:cTn id="1" dur="indefinite" restart="never" nodeType="tmRoot"/>
+        <p:cTn xmlns:p14="http://schemas.microsoft.com/office/powerpoint/2010/main" id="1" dur="indefinite" restart="never" nodeType="tmRoot"/>
       </p:par>
     </p:tnLst>
   </p:timing>
@@ -7626,14 +7626,14 @@
           </a:ln>
           <a:effectLst/>
           <a:extLst>
-            <a:ext uri="{909E8E84-426E-40DD-AFC4-6F175D3DCCD1}">
+            <a:ext uri="{909E8E84-426E-40dd-AFC4-6F175D3DCCD1}">
               <a14:hiddenFill xmlns:a14="http://schemas.microsoft.com/office/drawing/2010/main">
                 <a:solidFill>
                   <a:schemeClr val="accent1"/>
                 </a:solidFill>
               </a14:hiddenFill>
             </a:ext>
-            <a:ext uri="{91240B29-F687-4F45-9708-019B960494DF}">
+            <a:ext uri="{91240B29-F687-4f45-9708-019B960494DF}">
               <a14:hiddenLine xmlns:a14="http://schemas.microsoft.com/office/drawing/2010/main" w="9525">
                 <a:solidFill>
                   <a:schemeClr val="tx1"/>
@@ -7643,7 +7643,7 @@
                 <a:tailEnd/>
               </a14:hiddenLine>
             </a:ext>
-            <a:ext uri="{AF507438-7753-43E0-B8FC-AC1667EBCBE1}">
+            <a:ext uri="{AF507438-7753-43e0-B8FC-AC1667EBCBE1}">
               <a14:hiddenEffects xmlns:a14="http://schemas.microsoft.com/office/drawing/2010/main">
                 <a:effectLst>
                   <a:outerShdw dist="35921" dir="2700000" algn="ctr" rotWithShape="0">
@@ -7729,11 +7729,11 @@
   <p:clrMapOvr>
     <a:masterClrMapping/>
   </p:clrMapOvr>
-  <p:transition spd="med"/>
+  <p:transition xmlns:p14="http://schemas.microsoft.com/office/powerpoint/2010/main" spd="med"/>
   <p:timing>
     <p:tnLst>
       <p:par>
-        <p:cTn id="1" dur="indefinite" restart="never" nodeType="tmRoot">
+        <p:cTn xmlns:p14="http://schemas.microsoft.com/office/powerpoint/2010/main" id="1" dur="indefinite" restart="never" nodeType="tmRoot">
           <p:childTnLst>
             <p:seq concurrent="1" nextAc="seek">
               <p:cTn id="2" dur="indefinite" nodeType="mainSeq">
@@ -7927,14 +7927,14 @@
           </a:ln>
           <a:effectLst/>
           <a:extLst>
-            <a:ext uri="{909E8E84-426E-40DD-AFC4-6F175D3DCCD1}">
+            <a:ext uri="{909E8E84-426E-40dd-AFC4-6F175D3DCCD1}">
               <a14:hiddenFill xmlns:a14="http://schemas.microsoft.com/office/drawing/2010/main">
                 <a:solidFill>
                   <a:schemeClr val="accent1"/>
                 </a:solidFill>
               </a14:hiddenFill>
             </a:ext>
-            <a:ext uri="{91240B29-F687-4F45-9708-019B960494DF}">
+            <a:ext uri="{91240B29-F687-4f45-9708-019B960494DF}">
               <a14:hiddenLine xmlns:a14="http://schemas.microsoft.com/office/drawing/2010/main" w="9525">
                 <a:solidFill>
                   <a:schemeClr val="tx1"/>
@@ -7944,7 +7944,7 @@
                 <a:tailEnd/>
               </a14:hiddenLine>
             </a:ext>
-            <a:ext uri="{AF507438-7753-43E0-B8FC-AC1667EBCBE1}">
+            <a:ext uri="{AF507438-7753-43e0-B8FC-AC1667EBCBE1}">
               <a14:hiddenEffects xmlns:a14="http://schemas.microsoft.com/office/drawing/2010/main">
                 <a:effectLst>
                   <a:outerShdw dist="35921" dir="2700000" algn="ctr" rotWithShape="0">
@@ -7966,11 +7966,11 @@
   <p:clrMapOvr>
     <a:masterClrMapping/>
   </p:clrMapOvr>
-  <p:transition spd="med"/>
+  <p:transition xmlns:p14="http://schemas.microsoft.com/office/powerpoint/2010/main" spd="med"/>
   <p:timing>
     <p:tnLst>
       <p:par>
-        <p:cTn id="1" dur="indefinite" restart="never" nodeType="tmRoot"/>
+        <p:cTn xmlns:p14="http://schemas.microsoft.com/office/powerpoint/2010/main" id="1" dur="indefinite" restart="never" nodeType="tmRoot"/>
       </p:par>
     </p:tnLst>
   </p:timing>
@@ -8091,15 +8091,7 @@
             </a:r>
             <a:r>
               <a:rPr lang="en-US" sz="1800" dirty="0" smtClean="0"/>
-              <a:t> (</a:t>
-            </a:r>
-            <a:r>
-              <a:rPr lang="en-US" sz="1800" dirty="0" smtClean="0"/>
-              <a:t>multiply </a:t>
-            </a:r>
-            <a:r>
-              <a:rPr lang="en-US" sz="1800" dirty="0" smtClean="0"/>
-              <a:t>through)</a:t>
+              <a:t> (multiply through)</a:t>
             </a:r>
           </a:p>
           <a:p>
@@ -8175,14 +8167,14 @@
           </a:ln>
           <a:effectLst/>
           <a:extLst>
-            <a:ext uri="{909E8E84-426E-40DD-AFC4-6F175D3DCCD1}">
+            <a:ext uri="{909E8E84-426E-40dd-AFC4-6F175D3DCCD1}">
               <a14:hiddenFill xmlns:a14="http://schemas.microsoft.com/office/drawing/2010/main">
                 <a:solidFill>
                   <a:schemeClr val="accent1"/>
                 </a:solidFill>
               </a14:hiddenFill>
             </a:ext>
-            <a:ext uri="{91240B29-F687-4F45-9708-019B960494DF}">
+            <a:ext uri="{91240B29-F687-4f45-9708-019B960494DF}">
               <a14:hiddenLine xmlns:a14="http://schemas.microsoft.com/office/drawing/2010/main" w="9525">
                 <a:solidFill>
                   <a:schemeClr val="tx1"/>
@@ -8192,7 +8184,7 @@
                 <a:tailEnd/>
               </a14:hiddenLine>
             </a:ext>
-            <a:ext uri="{AF507438-7753-43E0-B8FC-AC1667EBCBE1}">
+            <a:ext uri="{AF507438-7753-43e0-B8FC-AC1667EBCBE1}">
               <a14:hiddenEffects xmlns:a14="http://schemas.microsoft.com/office/drawing/2010/main">
                 <a:effectLst>
                   <a:outerShdw dist="35921" dir="2700000" algn="ctr" rotWithShape="0">
@@ -8214,11 +8206,11 @@
   <p:clrMapOvr>
     <a:masterClrMapping/>
   </p:clrMapOvr>
-  <p:transition spd="med"/>
+  <p:transition xmlns:p14="http://schemas.microsoft.com/office/powerpoint/2010/main" spd="med"/>
   <p:timing>
     <p:tnLst>
       <p:par>
-        <p:cTn id="1" dur="indefinite" restart="never" nodeType="tmRoot"/>
+        <p:cTn xmlns:p14="http://schemas.microsoft.com/office/powerpoint/2010/main" id="1" dur="indefinite" restart="never" nodeType="tmRoot"/>
       </p:par>
     </p:tnLst>
   </p:timing>
